--- a/slides/5_controller_design.pptx
+++ b/slides/5_controller_design.pptx
@@ -490,7 +490,7 @@
           <a:p>
             <a:fld id="{506E0FD1-891F-4B1E-916D-E9B585160BB8}" type="datetimeFigureOut">
               <a:rPr lang="en-GB" smtClean="0"/>
-              <a:t>24/01/2026</a:t>
+              <a:t>29/01/2026</a:t>
             </a:fld>
             <a:endParaRPr lang="en-GB"/>
           </a:p>
@@ -907,7 +907,7 @@
           <a:p>
             <a:fld id="{D68C3F22-27B2-44E3-9C5F-D08126455F6F}" type="datetime1">
               <a:rPr lang="en-GB" smtClean="0"/>
-              <a:t>24/01/2026</a:t>
+              <a:t>29/01/2026</a:t>
             </a:fld>
             <a:endParaRPr lang="en-GB"/>
           </a:p>
@@ -1107,7 +1107,7 @@
           <a:p>
             <a:fld id="{1CD03846-7BF6-4FB6-A921-FF3379ADBD4C}" type="datetime1">
               <a:rPr lang="en-GB" smtClean="0"/>
-              <a:t>24/01/2026</a:t>
+              <a:t>29/01/2026</a:t>
             </a:fld>
             <a:endParaRPr lang="en-GB"/>
           </a:p>
@@ -1317,7 +1317,7 @@
           <a:p>
             <a:fld id="{99E1B91A-3FD0-4144-9C84-63E9688ED2FE}" type="datetime1">
               <a:rPr lang="en-GB" smtClean="0"/>
-              <a:t>24/01/2026</a:t>
+              <a:t>29/01/2026</a:t>
             </a:fld>
             <a:endParaRPr lang="en-GB"/>
           </a:p>
@@ -1517,7 +1517,7 @@
           <a:p>
             <a:fld id="{5295ED7B-FEAD-4734-819F-93EF4B0EA908}" type="datetime1">
               <a:rPr lang="en-GB" smtClean="0"/>
-              <a:t>24/01/2026</a:t>
+              <a:t>29/01/2026</a:t>
             </a:fld>
             <a:endParaRPr lang="en-GB"/>
           </a:p>
@@ -1793,7 +1793,7 @@
           <a:p>
             <a:fld id="{D2D5D4B4-C926-4B45-8815-1ED8911179A2}" type="datetime1">
               <a:rPr lang="en-GB" smtClean="0"/>
-              <a:t>24/01/2026</a:t>
+              <a:t>29/01/2026</a:t>
             </a:fld>
             <a:endParaRPr lang="en-GB"/>
           </a:p>
@@ -2061,7 +2061,7 @@
           <a:p>
             <a:fld id="{B4C5210A-0E37-4935-93AF-69F21A5F712F}" type="datetime1">
               <a:rPr lang="en-GB" smtClean="0"/>
-              <a:t>24/01/2026</a:t>
+              <a:t>29/01/2026</a:t>
             </a:fld>
             <a:endParaRPr lang="en-GB"/>
           </a:p>
@@ -2476,7 +2476,7 @@
           <a:p>
             <a:fld id="{3D3A6B2F-436C-4691-80E8-9C890E000E9D}" type="datetime1">
               <a:rPr lang="en-GB" smtClean="0"/>
-              <a:t>24/01/2026</a:t>
+              <a:t>29/01/2026</a:t>
             </a:fld>
             <a:endParaRPr lang="en-GB"/>
           </a:p>
@@ -2618,7 +2618,7 @@
           <a:p>
             <a:fld id="{84385F4C-D74B-496F-8D21-97E3549C783B}" type="datetime1">
               <a:rPr lang="en-GB" smtClean="0"/>
-              <a:t>24/01/2026</a:t>
+              <a:t>29/01/2026</a:t>
             </a:fld>
             <a:endParaRPr lang="en-GB"/>
           </a:p>
@@ -2731,7 +2731,7 @@
           <a:p>
             <a:fld id="{0CBDCB32-C241-4703-A832-4EB47BD54E83}" type="datetime1">
               <a:rPr lang="en-GB" smtClean="0"/>
-              <a:t>24/01/2026</a:t>
+              <a:t>29/01/2026</a:t>
             </a:fld>
             <a:endParaRPr lang="en-GB"/>
           </a:p>
@@ -3044,7 +3044,7 @@
           <a:p>
             <a:fld id="{85C150FF-BE95-4D25-A16A-E368A81CBF24}" type="datetime1">
               <a:rPr lang="en-GB" smtClean="0"/>
-              <a:t>24/01/2026</a:t>
+              <a:t>29/01/2026</a:t>
             </a:fld>
             <a:endParaRPr lang="en-GB"/>
           </a:p>
@@ -3333,7 +3333,7 @@
           <a:p>
             <a:fld id="{F3C5DB4B-B349-43C9-A424-BADA723AD9F1}" type="datetime1">
               <a:rPr lang="en-GB" smtClean="0"/>
-              <a:t>24/01/2026</a:t>
+              <a:t>29/01/2026</a:t>
             </a:fld>
             <a:endParaRPr lang="en-GB"/>
           </a:p>
@@ -3576,7 +3576,7 @@
           <a:p>
             <a:fld id="{12632426-0A0C-405F-A3D0-2D11AA44702A}" type="datetime1">
               <a:rPr lang="en-GB" smtClean="0"/>
-              <a:t>24/01/2026</a:t>
+              <a:t>29/01/2026</a:t>
             </a:fld>
             <a:endParaRPr lang="en-GB"/>
           </a:p>
@@ -4672,15 +4672,7 @@
             </a:pPr>
             <a:r>
               <a:rPr lang="de-DE" dirty="0"/>
-              <a:t>Systems, </a:t>
-            </a:r>
-            <a:r>
-              <a:rPr lang="de-DE" dirty="0" err="1"/>
-              <a:t>Processes</a:t>
-            </a:r>
-            <a:r>
-              <a:rPr lang="de-DE" dirty="0"/>
-              <a:t>, Models</a:t>
+              <a:t>Systems</a:t>
             </a:r>
           </a:p>
           <a:p>

--- a/slides/5_controller_design.pptx
+++ b/slides/5_controller_design.pptx
@@ -5,7 +5,7 @@
     <p:sldMasterId id="2147483648" r:id="rId1"/>
   </p:sldMasterIdLst>
   <p:notesMasterIdLst>
-    <p:notesMasterId r:id="rId14"/>
+    <p:notesMasterId r:id="rId16"/>
   </p:notesMasterIdLst>
   <p:sldIdLst>
     <p:sldId id="256" r:id="rId2"/>
@@ -20,6 +20,8 @@
     <p:sldId id="273" r:id="rId11"/>
     <p:sldId id="274" r:id="rId12"/>
     <p:sldId id="275" r:id="rId13"/>
+    <p:sldId id="276" r:id="rId14"/>
+    <p:sldId id="277" r:id="rId15"/>
   </p:sldIdLst>
   <p:sldSz cx="12192000" cy="6858000"/>
   <p:notesSz cx="6858000" cy="9144000"/>
@@ -490,7 +492,7 @@
           <a:p>
             <a:fld id="{506E0FD1-891F-4B1E-916D-E9B585160BB8}" type="datetimeFigureOut">
               <a:rPr lang="en-GB" smtClean="0"/>
-              <a:t>29/01/2026</a:t>
+              <a:t>17/02/2026</a:t>
             </a:fld>
             <a:endParaRPr lang="en-GB"/>
           </a:p>
@@ -907,7 +909,7 @@
           <a:p>
             <a:fld id="{D68C3F22-27B2-44E3-9C5F-D08126455F6F}" type="datetime1">
               <a:rPr lang="en-GB" smtClean="0"/>
-              <a:t>29/01/2026</a:t>
+              <a:t>17/02/2026</a:t>
             </a:fld>
             <a:endParaRPr lang="en-GB"/>
           </a:p>
@@ -1107,7 +1109,7 @@
           <a:p>
             <a:fld id="{1CD03846-7BF6-4FB6-A921-FF3379ADBD4C}" type="datetime1">
               <a:rPr lang="en-GB" smtClean="0"/>
-              <a:t>29/01/2026</a:t>
+              <a:t>17/02/2026</a:t>
             </a:fld>
             <a:endParaRPr lang="en-GB"/>
           </a:p>
@@ -1317,7 +1319,7 @@
           <a:p>
             <a:fld id="{99E1B91A-3FD0-4144-9C84-63E9688ED2FE}" type="datetime1">
               <a:rPr lang="en-GB" smtClean="0"/>
-              <a:t>29/01/2026</a:t>
+              <a:t>17/02/2026</a:t>
             </a:fld>
             <a:endParaRPr lang="en-GB"/>
           </a:p>
@@ -1517,7 +1519,7 @@
           <a:p>
             <a:fld id="{5295ED7B-FEAD-4734-819F-93EF4B0EA908}" type="datetime1">
               <a:rPr lang="en-GB" smtClean="0"/>
-              <a:t>29/01/2026</a:t>
+              <a:t>17/02/2026</a:t>
             </a:fld>
             <a:endParaRPr lang="en-GB"/>
           </a:p>
@@ -1793,7 +1795,7 @@
           <a:p>
             <a:fld id="{D2D5D4B4-C926-4B45-8815-1ED8911179A2}" type="datetime1">
               <a:rPr lang="en-GB" smtClean="0"/>
-              <a:t>29/01/2026</a:t>
+              <a:t>17/02/2026</a:t>
             </a:fld>
             <a:endParaRPr lang="en-GB"/>
           </a:p>
@@ -2061,7 +2063,7 @@
           <a:p>
             <a:fld id="{B4C5210A-0E37-4935-93AF-69F21A5F712F}" type="datetime1">
               <a:rPr lang="en-GB" smtClean="0"/>
-              <a:t>29/01/2026</a:t>
+              <a:t>17/02/2026</a:t>
             </a:fld>
             <a:endParaRPr lang="en-GB"/>
           </a:p>
@@ -2476,7 +2478,7 @@
           <a:p>
             <a:fld id="{3D3A6B2F-436C-4691-80E8-9C890E000E9D}" type="datetime1">
               <a:rPr lang="en-GB" smtClean="0"/>
-              <a:t>29/01/2026</a:t>
+              <a:t>17/02/2026</a:t>
             </a:fld>
             <a:endParaRPr lang="en-GB"/>
           </a:p>
@@ -2618,7 +2620,7 @@
           <a:p>
             <a:fld id="{84385F4C-D74B-496F-8D21-97E3549C783B}" type="datetime1">
               <a:rPr lang="en-GB" smtClean="0"/>
-              <a:t>29/01/2026</a:t>
+              <a:t>17/02/2026</a:t>
             </a:fld>
             <a:endParaRPr lang="en-GB"/>
           </a:p>
@@ -2731,7 +2733,7 @@
           <a:p>
             <a:fld id="{0CBDCB32-C241-4703-A832-4EB47BD54E83}" type="datetime1">
               <a:rPr lang="en-GB" smtClean="0"/>
-              <a:t>29/01/2026</a:t>
+              <a:t>17/02/2026</a:t>
             </a:fld>
             <a:endParaRPr lang="en-GB"/>
           </a:p>
@@ -3044,7 +3046,7 @@
           <a:p>
             <a:fld id="{85C150FF-BE95-4D25-A16A-E368A81CBF24}" type="datetime1">
               <a:rPr lang="en-GB" smtClean="0"/>
-              <a:t>29/01/2026</a:t>
+              <a:t>17/02/2026</a:t>
             </a:fld>
             <a:endParaRPr lang="en-GB"/>
           </a:p>
@@ -3333,7 +3335,7 @@
           <a:p>
             <a:fld id="{F3C5DB4B-B349-43C9-A424-BADA723AD9F1}" type="datetime1">
               <a:rPr lang="en-GB" smtClean="0"/>
-              <a:t>29/01/2026</a:t>
+              <a:t>17/02/2026</a:t>
             </a:fld>
             <a:endParaRPr lang="en-GB"/>
           </a:p>
@@ -3576,7 +3578,7 @@
           <a:p>
             <a:fld id="{12632426-0A0C-405F-A3D0-2D11AA44702A}" type="datetime1">
               <a:rPr lang="en-GB" smtClean="0"/>
-              <a:t>29/01/2026</a:t>
+              <a:t>17/02/2026</a:t>
             </a:fld>
             <a:endParaRPr lang="en-GB"/>
           </a:p>
@@ -4598,6 +4600,235 @@
 </p:sld>
 </file>
 
+<file path=ppt/slides/slide13.xml><?xml version="1.0" encoding="utf-8"?>
+<p:sld xmlns:a="http://schemas.openxmlformats.org/drawingml/2006/main" xmlns:r="http://schemas.openxmlformats.org/officeDocument/2006/relationships" xmlns:p="http://schemas.openxmlformats.org/presentationml/2006/main">
+  <p:cSld>
+    <p:spTree>
+      <p:nvGrpSpPr>
+        <p:cNvPr id="1" name=""/>
+        <p:cNvGrpSpPr/>
+        <p:nvPr/>
+      </p:nvGrpSpPr>
+      <p:grpSpPr>
+        <a:xfrm>
+          <a:off x="0" y="0"/>
+          <a:ext cx="0" cy="0"/>
+          <a:chOff x="0" y="0"/>
+          <a:chExt cx="0" cy="0"/>
+        </a:xfrm>
+      </p:grpSpPr>
+      <p:sp>
+        <p:nvSpPr>
+          <p:cNvPr id="2" name="Titel 1">
+            <a:extLst>
+              <a:ext uri="{FF2B5EF4-FFF2-40B4-BE49-F238E27FC236}">
+                <a16:creationId xmlns:a16="http://schemas.microsoft.com/office/drawing/2014/main" id="{49A8D9A9-2948-F823-898A-818D2787EE1D}"/>
+              </a:ext>
+            </a:extLst>
+          </p:cNvPr>
+          <p:cNvSpPr>
+            <a:spLocks noGrp="1"/>
+          </p:cNvSpPr>
+          <p:nvPr>
+            <p:ph type="title"/>
+          </p:nvPr>
+        </p:nvSpPr>
+        <p:spPr/>
+        <p:txBody>
+          <a:bodyPr/>
+          <a:lstStyle/>
+          <a:p>
+            <a:r>
+              <a:rPr lang="de-DE" dirty="0"/>
+              <a:t>Root </a:t>
+            </a:r>
+            <a:r>
+              <a:rPr lang="de-DE" dirty="0" err="1"/>
+              <a:t>locus</a:t>
+            </a:r>
+            <a:endParaRPr lang="de-DE" dirty="0"/>
+          </a:p>
+        </p:txBody>
+      </p:sp>
+      <p:sp>
+        <p:nvSpPr>
+          <p:cNvPr id="3" name="Inhaltsplatzhalter 2">
+            <a:extLst>
+              <a:ext uri="{FF2B5EF4-FFF2-40B4-BE49-F238E27FC236}">
+                <a16:creationId xmlns:a16="http://schemas.microsoft.com/office/drawing/2014/main" id="{F2AC5237-6BE6-8EF9-4CF2-8840AE86E957}"/>
+              </a:ext>
+            </a:extLst>
+          </p:cNvPr>
+          <p:cNvSpPr>
+            <a:spLocks noGrp="1"/>
+          </p:cNvSpPr>
+          <p:nvPr>
+            <p:ph idx="1"/>
+          </p:nvPr>
+        </p:nvSpPr>
+        <p:spPr/>
+        <p:txBody>
+          <a:bodyPr/>
+          <a:lstStyle/>
+          <a:p>
+            <a:endParaRPr lang="de-DE"/>
+          </a:p>
+        </p:txBody>
+      </p:sp>
+      <p:sp>
+        <p:nvSpPr>
+          <p:cNvPr id="4" name="Foliennummernplatzhalter 3">
+            <a:extLst>
+              <a:ext uri="{FF2B5EF4-FFF2-40B4-BE49-F238E27FC236}">
+                <a16:creationId xmlns:a16="http://schemas.microsoft.com/office/drawing/2014/main" id="{D9E59EA8-C286-2451-D41E-CD3CEA13F460}"/>
+              </a:ext>
+            </a:extLst>
+          </p:cNvPr>
+          <p:cNvSpPr>
+            <a:spLocks noGrp="1"/>
+          </p:cNvSpPr>
+          <p:nvPr>
+            <p:ph type="sldNum" sz="quarter" idx="12"/>
+          </p:nvPr>
+        </p:nvSpPr>
+        <p:spPr/>
+        <p:txBody>
+          <a:bodyPr/>
+          <a:lstStyle/>
+          <a:p>
+            <a:fld id="{08C366F5-AFAD-49CB-854A-9D9E238FCA13}" type="slidenum">
+              <a:rPr lang="en-GB" smtClean="0"/>
+              <a:t>13</a:t>
+            </a:fld>
+            <a:endParaRPr lang="en-GB"/>
+          </a:p>
+        </p:txBody>
+      </p:sp>
+    </p:spTree>
+    <p:extLst>
+      <p:ext uri="{BB962C8B-B14F-4D97-AF65-F5344CB8AC3E}">
+        <p14:creationId xmlns:p14="http://schemas.microsoft.com/office/powerpoint/2010/main" val="3420749753"/>
+      </p:ext>
+    </p:extLst>
+  </p:cSld>
+  <p:clrMapOvr>
+    <a:masterClrMapping/>
+  </p:clrMapOvr>
+</p:sld>
+</file>
+
+<file path=ppt/slides/slide14.xml><?xml version="1.0" encoding="utf-8"?>
+<p:sld xmlns:a="http://schemas.openxmlformats.org/drawingml/2006/main" xmlns:r="http://schemas.openxmlformats.org/officeDocument/2006/relationships" xmlns:p="http://schemas.openxmlformats.org/presentationml/2006/main">
+  <p:cSld>
+    <p:spTree>
+      <p:nvGrpSpPr>
+        <p:cNvPr id="1" name=""/>
+        <p:cNvGrpSpPr/>
+        <p:nvPr/>
+      </p:nvGrpSpPr>
+      <p:grpSpPr>
+        <a:xfrm>
+          <a:off x="0" y="0"/>
+          <a:ext cx="0" cy="0"/>
+          <a:chOff x="0" y="0"/>
+          <a:chExt cx="0" cy="0"/>
+        </a:xfrm>
+      </p:grpSpPr>
+      <p:sp>
+        <p:nvSpPr>
+          <p:cNvPr id="2" name="Titel 1">
+            <a:extLst>
+              <a:ext uri="{FF2B5EF4-FFF2-40B4-BE49-F238E27FC236}">
+                <a16:creationId xmlns:a16="http://schemas.microsoft.com/office/drawing/2014/main" id="{4526C0AA-D9C3-34B4-74D2-760A494AEB0D}"/>
+              </a:ext>
+            </a:extLst>
+          </p:cNvPr>
+          <p:cNvSpPr>
+            <a:spLocks noGrp="1"/>
+          </p:cNvSpPr>
+          <p:nvPr>
+            <p:ph type="title"/>
+          </p:nvPr>
+        </p:nvSpPr>
+        <p:spPr/>
+        <p:txBody>
+          <a:bodyPr/>
+          <a:lstStyle/>
+          <a:p>
+            <a:r>
+              <a:rPr lang="de-DE" dirty="0"/>
+              <a:t>Cascade Control</a:t>
+            </a:r>
+          </a:p>
+        </p:txBody>
+      </p:sp>
+      <p:sp>
+        <p:nvSpPr>
+          <p:cNvPr id="3" name="Inhaltsplatzhalter 2">
+            <a:extLst>
+              <a:ext uri="{FF2B5EF4-FFF2-40B4-BE49-F238E27FC236}">
+                <a16:creationId xmlns:a16="http://schemas.microsoft.com/office/drawing/2014/main" id="{523AC845-AEF8-1D08-A3FD-8EE28F4C9D4E}"/>
+              </a:ext>
+            </a:extLst>
+          </p:cNvPr>
+          <p:cNvSpPr>
+            <a:spLocks noGrp="1"/>
+          </p:cNvSpPr>
+          <p:nvPr>
+            <p:ph idx="1"/>
+          </p:nvPr>
+        </p:nvSpPr>
+        <p:spPr/>
+        <p:txBody>
+          <a:bodyPr/>
+          <a:lstStyle/>
+          <a:p>
+            <a:endParaRPr lang="de-DE"/>
+          </a:p>
+        </p:txBody>
+      </p:sp>
+      <p:sp>
+        <p:nvSpPr>
+          <p:cNvPr id="4" name="Foliennummernplatzhalter 3">
+            <a:extLst>
+              <a:ext uri="{FF2B5EF4-FFF2-40B4-BE49-F238E27FC236}">
+                <a16:creationId xmlns:a16="http://schemas.microsoft.com/office/drawing/2014/main" id="{E689E192-E06F-6B6D-EA9D-F53924D4324F}"/>
+              </a:ext>
+            </a:extLst>
+          </p:cNvPr>
+          <p:cNvSpPr>
+            <a:spLocks noGrp="1"/>
+          </p:cNvSpPr>
+          <p:nvPr>
+            <p:ph type="sldNum" sz="quarter" idx="12"/>
+          </p:nvPr>
+        </p:nvSpPr>
+        <p:spPr/>
+        <p:txBody>
+          <a:bodyPr/>
+          <a:lstStyle/>
+          <a:p>
+            <a:fld id="{08C366F5-AFAD-49CB-854A-9D9E238FCA13}" type="slidenum">
+              <a:rPr lang="en-GB" smtClean="0"/>
+              <a:t>14</a:t>
+            </a:fld>
+            <a:endParaRPr lang="en-GB"/>
+          </a:p>
+        </p:txBody>
+      </p:sp>
+    </p:spTree>
+    <p:extLst>
+      <p:ext uri="{BB962C8B-B14F-4D97-AF65-F5344CB8AC3E}">
+        <p14:creationId xmlns:p14="http://schemas.microsoft.com/office/powerpoint/2010/main" val="101948529"/>
+      </p:ext>
+    </p:extLst>
+  </p:cSld>
+  <p:clrMapOvr>
+    <a:masterClrMapping/>
+  </p:clrMapOvr>
+</p:sld>
+</file>
+
 <file path=ppt/slides/slide2.xml><?xml version="1.0" encoding="utf-8"?>
 <p:sld xmlns:a="http://schemas.openxmlformats.org/drawingml/2006/main" xmlns:r="http://schemas.openxmlformats.org/officeDocument/2006/relationships" xmlns:p="http://schemas.openxmlformats.org/presentationml/2006/main">
   <p:cSld>
@@ -5007,6 +5238,28 @@
             <a:r>
               <a:rPr lang="de-DE" dirty="0" err="1"/>
               <a:t>robustness</a:t>
+            </a:r>
+            <a:endParaRPr lang="de-DE" dirty="0"/>
+          </a:p>
+          <a:p>
+            <a:r>
+              <a:rPr lang="de-DE" dirty="0"/>
+              <a:t>Root </a:t>
+            </a:r>
+            <a:r>
+              <a:rPr lang="de-DE" dirty="0" err="1"/>
+              <a:t>locus</a:t>
+            </a:r>
+            <a:endParaRPr lang="de-DE" dirty="0"/>
+          </a:p>
+          <a:p>
+            <a:r>
+              <a:rPr lang="de-DE" dirty="0"/>
+              <a:t>Cascade </a:t>
+            </a:r>
+            <a:r>
+              <a:rPr lang="de-DE" dirty="0" err="1"/>
+              <a:t>control</a:t>
             </a:r>
             <a:endParaRPr lang="de-DE" dirty="0"/>
           </a:p>
